--- a/랩미팅/201903/190325 DQN (Jong).pptx
+++ b/랩미팅/201903/190325 DQN (Jong).pptx
@@ -5,18 +5,19 @@
     <p:sldMasterId id="2147483660" r:id="rId1"/>
   </p:sldMasterIdLst>
   <p:notesMasterIdLst>
-    <p:notesMasterId r:id="rId11"/>
+    <p:notesMasterId r:id="rId12"/>
   </p:notesMasterIdLst>
   <p:sldIdLst>
     <p:sldId id="258" r:id="rId2"/>
     <p:sldId id="308" r:id="rId3"/>
     <p:sldId id="311" r:id="rId4"/>
-    <p:sldId id="319" r:id="rId5"/>
-    <p:sldId id="314" r:id="rId6"/>
-    <p:sldId id="315" r:id="rId7"/>
-    <p:sldId id="317" r:id="rId8"/>
-    <p:sldId id="318" r:id="rId9"/>
-    <p:sldId id="316" r:id="rId10"/>
+    <p:sldId id="320" r:id="rId5"/>
+    <p:sldId id="319" r:id="rId6"/>
+    <p:sldId id="314" r:id="rId7"/>
+    <p:sldId id="315" r:id="rId8"/>
+    <p:sldId id="317" r:id="rId9"/>
+    <p:sldId id="318" r:id="rId10"/>
+    <p:sldId id="316" r:id="rId11"/>
   </p:sldIdLst>
   <p:sldSz cx="9144000" cy="6858000" type="screen4x3"/>
   <p:notesSz cx="6735763" cy="9866313"/>
@@ -631,7 +632,7 @@
     </p:spTree>
     <p:extLst>
       <p:ext uri="{BB962C8B-B14F-4D97-AF65-F5344CB8AC3E}">
-        <p14:creationId xmlns:p14="http://schemas.microsoft.com/office/powerpoint/2010/main" val="1973869172"/>
+        <p14:creationId xmlns:p14="http://schemas.microsoft.com/office/powerpoint/2010/main" val="2121474851"/>
       </p:ext>
     </p:extLst>
   </p:cSld>
@@ -715,7 +716,7 @@
     </p:spTree>
     <p:extLst>
       <p:ext uri="{BB962C8B-B14F-4D97-AF65-F5344CB8AC3E}">
-        <p14:creationId xmlns:p14="http://schemas.microsoft.com/office/powerpoint/2010/main" val="1461981811"/>
+        <p14:creationId xmlns:p14="http://schemas.microsoft.com/office/powerpoint/2010/main" val="1973869172"/>
       </p:ext>
     </p:extLst>
   </p:cSld>
@@ -799,7 +800,7 @@
     </p:spTree>
     <p:extLst>
       <p:ext uri="{BB962C8B-B14F-4D97-AF65-F5344CB8AC3E}">
-        <p14:creationId xmlns:p14="http://schemas.microsoft.com/office/powerpoint/2010/main" val="2016208782"/>
+        <p14:creationId xmlns:p14="http://schemas.microsoft.com/office/powerpoint/2010/main" val="1461981811"/>
       </p:ext>
     </p:extLst>
   </p:cSld>
@@ -883,7 +884,7 @@
     </p:spTree>
     <p:extLst>
       <p:ext uri="{BB962C8B-B14F-4D97-AF65-F5344CB8AC3E}">
-        <p14:creationId xmlns:p14="http://schemas.microsoft.com/office/powerpoint/2010/main" val="2997702377"/>
+        <p14:creationId xmlns:p14="http://schemas.microsoft.com/office/powerpoint/2010/main" val="2016208782"/>
       </p:ext>
     </p:extLst>
   </p:cSld>
@@ -967,7 +968,7 @@
     </p:spTree>
     <p:extLst>
       <p:ext uri="{BB962C8B-B14F-4D97-AF65-F5344CB8AC3E}">
-        <p14:creationId xmlns:p14="http://schemas.microsoft.com/office/powerpoint/2010/main" val="693604503"/>
+        <p14:creationId xmlns:p14="http://schemas.microsoft.com/office/powerpoint/2010/main" val="2997702377"/>
       </p:ext>
     </p:extLst>
   </p:cSld>
@@ -1043,6 +1044,90 @@
             <a:fld id="{6D0ABE42-EEBB-47F0-BC6E-2BB25FA03CFE}" type="slidenum">
               <a:rPr lang="ko-KR" altLang="en-US" smtClean="0"/>
               <a:t>9</a:t>
+            </a:fld>
+            <a:endParaRPr lang="ko-KR" altLang="en-US"/>
+          </a:p>
+        </p:txBody>
+      </p:sp>
+    </p:spTree>
+    <p:extLst>
+      <p:ext uri="{BB962C8B-B14F-4D97-AF65-F5344CB8AC3E}">
+        <p14:creationId xmlns:p14="http://schemas.microsoft.com/office/powerpoint/2010/main" val="693604503"/>
+      </p:ext>
+    </p:extLst>
+  </p:cSld>
+  <p:clrMapOvr>
+    <a:masterClrMapping/>
+  </p:clrMapOvr>
+</p:notes>
+</file>
+
+<file path=ppt/notesSlides/notesSlide8.xml><?xml version="1.0" encoding="utf-8"?>
+<p:notes xmlns:a="http://schemas.openxmlformats.org/drawingml/2006/main" xmlns:r="http://schemas.openxmlformats.org/officeDocument/2006/relationships" xmlns:p="http://schemas.openxmlformats.org/presentationml/2006/main">
+  <p:cSld>
+    <p:spTree>
+      <p:nvGrpSpPr>
+        <p:cNvPr id="1" name=""/>
+        <p:cNvGrpSpPr/>
+        <p:nvPr/>
+      </p:nvGrpSpPr>
+      <p:grpSpPr>
+        <a:xfrm>
+          <a:off x="0" y="0"/>
+          <a:ext cx="0" cy="0"/>
+          <a:chOff x="0" y="0"/>
+          <a:chExt cx="0" cy="0"/>
+        </a:xfrm>
+      </p:grpSpPr>
+      <p:sp>
+        <p:nvSpPr>
+          <p:cNvPr id="2" name="슬라이드 이미지 개체 틀 1"/>
+          <p:cNvSpPr>
+            <a:spLocks noGrp="1" noRot="1" noChangeAspect="1"/>
+          </p:cNvSpPr>
+          <p:nvPr>
+            <p:ph type="sldImg"/>
+          </p:nvPr>
+        </p:nvSpPr>
+        <p:spPr/>
+      </p:sp>
+      <p:sp>
+        <p:nvSpPr>
+          <p:cNvPr id="3" name="슬라이드 노트 개체 틀 2"/>
+          <p:cNvSpPr>
+            <a:spLocks noGrp="1"/>
+          </p:cNvSpPr>
+          <p:nvPr>
+            <p:ph type="body" idx="1"/>
+          </p:nvPr>
+        </p:nvSpPr>
+        <p:spPr/>
+        <p:txBody>
+          <a:bodyPr/>
+          <a:lstStyle/>
+          <a:p>
+            <a:endParaRPr lang="ko-KR" altLang="en-US"/>
+          </a:p>
+        </p:txBody>
+      </p:sp>
+      <p:sp>
+        <p:nvSpPr>
+          <p:cNvPr id="4" name="슬라이드 번호 개체 틀 3"/>
+          <p:cNvSpPr>
+            <a:spLocks noGrp="1"/>
+          </p:cNvSpPr>
+          <p:nvPr>
+            <p:ph type="sldNum" sz="quarter" idx="10"/>
+          </p:nvPr>
+        </p:nvSpPr>
+        <p:spPr/>
+        <p:txBody>
+          <a:bodyPr/>
+          <a:lstStyle/>
+          <a:p>
+            <a:fld id="{6D0ABE42-EEBB-47F0-BC6E-2BB25FA03CFE}" type="slidenum">
+              <a:rPr lang="ko-KR" altLang="en-US" smtClean="0"/>
+              <a:t>10</a:t>
             </a:fld>
             <a:endParaRPr lang="ko-KR" altLang="en-US"/>
           </a:p>
@@ -3995,13 +4080,6 @@
               </a:rPr>
               <a:t>20190325</a:t>
             </a:r>
-            <a:endParaRPr lang="en-US" altLang="ko-KR" sz="5400" dirty="0" smtClean="0">
-              <a:solidFill>
-                <a:srgbClr val="3333FF"/>
-              </a:solidFill>
-              <a:latin typeface="Arial" panose="020B0604020202020204" pitchFamily="34" charset="0"/>
-              <a:cs typeface="Arial" panose="020B0604020202020204" pitchFamily="34" charset="0"/>
-            </a:endParaRPr>
           </a:p>
         </p:txBody>
       </p:sp>
@@ -4206,6 +4284,272 @@
     <p:extLst>
       <p:ext uri="{BB962C8B-B14F-4D97-AF65-F5344CB8AC3E}">
         <p14:creationId xmlns:p14="http://schemas.microsoft.com/office/powerpoint/2010/main" val="22502826"/>
+      </p:ext>
+    </p:extLst>
+  </p:cSld>
+  <p:clrMapOvr>
+    <a:masterClrMapping/>
+  </p:clrMapOvr>
+  <p:timing>
+    <p:tnLst>
+      <p:par>
+        <p:cTn id="1" dur="indefinite" restart="never" nodeType="tmRoot"/>
+      </p:par>
+    </p:tnLst>
+  </p:timing>
+</p:sld>
+</file>
+
+<file path=ppt/slides/slide10.xml><?xml version="1.0" encoding="utf-8"?>
+<p:sld xmlns:a="http://schemas.openxmlformats.org/drawingml/2006/main" xmlns:r="http://schemas.openxmlformats.org/officeDocument/2006/relationships" xmlns:p="http://schemas.openxmlformats.org/presentationml/2006/main">
+  <p:cSld>
+    <p:spTree>
+      <p:nvGrpSpPr>
+        <p:cNvPr id="1" name=""/>
+        <p:cNvGrpSpPr/>
+        <p:nvPr/>
+      </p:nvGrpSpPr>
+      <p:grpSpPr>
+        <a:xfrm>
+          <a:off x="0" y="0"/>
+          <a:ext cx="0" cy="0"/>
+          <a:chOff x="0" y="0"/>
+          <a:chExt cx="0" cy="0"/>
+        </a:xfrm>
+      </p:grpSpPr>
+      <p:sp>
+        <p:nvSpPr>
+          <p:cNvPr id="2" name="날짜 개체 틀 1"/>
+          <p:cNvSpPr>
+            <a:spLocks noGrp="1"/>
+          </p:cNvSpPr>
+          <p:nvPr>
+            <p:ph type="dt" sz="half" idx="10"/>
+          </p:nvPr>
+        </p:nvSpPr>
+        <p:spPr/>
+        <p:txBody>
+          <a:bodyPr/>
+          <a:lstStyle/>
+          <a:p>
+            <a:fld id="{32C03489-23FC-4021-B9AB-958EFB3C0FE7}" type="datetime1">
+              <a:rPr lang="ko-KR" altLang="en-US" smtClean="0"/>
+              <a:t>2019-03-25</a:t>
+            </a:fld>
+            <a:endParaRPr lang="ko-KR" altLang="en-US"/>
+          </a:p>
+        </p:txBody>
+      </p:sp>
+      <p:sp>
+        <p:nvSpPr>
+          <p:cNvPr id="3" name="슬라이드 번호 개체 틀 2"/>
+          <p:cNvSpPr>
+            <a:spLocks noGrp="1"/>
+          </p:cNvSpPr>
+          <p:nvPr>
+            <p:ph type="sldNum" sz="quarter" idx="12"/>
+          </p:nvPr>
+        </p:nvSpPr>
+        <p:spPr/>
+        <p:txBody>
+          <a:bodyPr/>
+          <a:lstStyle/>
+          <a:p>
+            <a:fld id="{8765F8EB-1186-4395-8E70-F957669279DD}" type="slidenum">
+              <a:rPr lang="ko-KR" altLang="en-US" smtClean="0"/>
+              <a:t>10</a:t>
+            </a:fld>
+            <a:endParaRPr lang="ko-KR" altLang="en-US"/>
+          </a:p>
+        </p:txBody>
+      </p:sp>
+      <p:sp>
+        <p:nvSpPr>
+          <p:cNvPr id="5" name="TextBox 4"/>
+          <p:cNvSpPr txBox="1"/>
+          <p:nvPr/>
+        </p:nvSpPr>
+        <p:spPr>
+          <a:xfrm>
+            <a:off x="0" y="26578"/>
+            <a:ext cx="1278363" cy="400110"/>
+          </a:xfrm>
+          <a:prstGeom prst="rect">
+            <a:avLst/>
+          </a:prstGeom>
+          <a:noFill/>
+        </p:spPr>
+        <p:txBody>
+          <a:bodyPr wrap="none" rtlCol="0">
+            <a:spAutoFit/>
+          </a:bodyPr>
+          <a:lstStyle/>
+          <a:p>
+            <a:r>
+              <a:rPr lang="en-US" altLang="ko-KR" sz="2000" b="1" dirty="0" smtClean="0">
+                <a:solidFill>
+                  <a:srgbClr val="3333FF"/>
+                </a:solidFill>
+              </a:rPr>
+              <a:t>This Week</a:t>
+            </a:r>
+            <a:endParaRPr lang="ko-KR" altLang="en-US" sz="2000" b="1" dirty="0">
+              <a:solidFill>
+                <a:srgbClr val="3333FF"/>
+              </a:solidFill>
+            </a:endParaRPr>
+          </a:p>
+        </p:txBody>
+      </p:sp>
+      <p:sp>
+        <p:nvSpPr>
+          <p:cNvPr id="9" name="TextBox 8"/>
+          <p:cNvSpPr txBox="1"/>
+          <p:nvPr/>
+        </p:nvSpPr>
+        <p:spPr>
+          <a:xfrm>
+            <a:off x="316031" y="834694"/>
+            <a:ext cx="8379082" cy="1338828"/>
+          </a:xfrm>
+          <a:prstGeom prst="rect">
+            <a:avLst/>
+          </a:prstGeom>
+          <a:noFill/>
+        </p:spPr>
+        <p:txBody>
+          <a:bodyPr wrap="square" rtlCol="0">
+            <a:spAutoFit/>
+          </a:bodyPr>
+          <a:lstStyle/>
+          <a:p>
+            <a:pPr marL="285750" indent="-285750">
+              <a:lnSpc>
+                <a:spcPct val="150000"/>
+              </a:lnSpc>
+              <a:buFontTx/>
+              <a:buChar char="-"/>
+            </a:pPr>
+            <a:r>
+              <a:rPr lang="en-US" altLang="ko-KR" dirty="0" smtClean="0"/>
+              <a:t>Hidden layer, neurons per layer </a:t>
+            </a:r>
+            <a:r>
+              <a:rPr lang="ko-KR" altLang="en-US" dirty="0" smtClean="0"/>
+              <a:t>개수 조정</a:t>
+            </a:r>
+            <a:endParaRPr lang="en-US" altLang="ko-KR" dirty="0" smtClean="0"/>
+          </a:p>
+          <a:p>
+            <a:pPr marL="285750" indent="-285750">
+              <a:lnSpc>
+                <a:spcPct val="150000"/>
+              </a:lnSpc>
+              <a:buFontTx/>
+              <a:buChar char="-"/>
+            </a:pPr>
+            <a:r>
+              <a:rPr lang="ko-KR" altLang="en-US" dirty="0" smtClean="0"/>
+              <a:t>학습된 </a:t>
+            </a:r>
+            <a:r>
+              <a:rPr lang="en-US" altLang="ko-KR" dirty="0" smtClean="0"/>
+              <a:t>neural network</a:t>
+            </a:r>
+            <a:r>
+              <a:rPr lang="ko-KR" altLang="en-US" dirty="0"/>
+              <a:t> </a:t>
+            </a:r>
+            <a:r>
+              <a:rPr lang="ko-KR" altLang="en-US" dirty="0" smtClean="0"/>
+              <a:t>저장하고 불러와서 사용하는 기능 구현</a:t>
+            </a:r>
+            <a:endParaRPr lang="en-US" altLang="ko-KR" dirty="0" smtClean="0"/>
+          </a:p>
+          <a:p>
+            <a:pPr marL="285750" indent="-285750">
+              <a:lnSpc>
+                <a:spcPct val="150000"/>
+              </a:lnSpc>
+              <a:buFontTx/>
+              <a:buChar char="-"/>
+            </a:pPr>
+            <a:r>
+              <a:rPr lang="en-US" altLang="ko-KR" dirty="0" smtClean="0"/>
+              <a:t>DQN</a:t>
+            </a:r>
+            <a:r>
+              <a:rPr lang="ko-KR" altLang="en-US" dirty="0" smtClean="0"/>
+              <a:t>에서 향상된 알고리즘 조사</a:t>
+            </a:r>
+            <a:endParaRPr lang="ko-KR" altLang="en-US" dirty="0"/>
+          </a:p>
+        </p:txBody>
+      </p:sp>
+      <p:pic>
+        <p:nvPicPr>
+          <p:cNvPr id="4" name="그림 3"/>
+          <p:cNvPicPr>
+            <a:picLocks noChangeAspect="1"/>
+          </p:cNvPicPr>
+          <p:nvPr/>
+        </p:nvPicPr>
+        <p:blipFill>
+          <a:blip r:embed="rId3">
+            <a:extLst>
+              <a:ext uri="{28A0092B-C50C-407E-A947-70E740481C1C}">
+                <a14:useLocalDpi xmlns:a14="http://schemas.microsoft.com/office/drawing/2010/main" val="0"/>
+              </a:ext>
+            </a:extLst>
+          </a:blip>
+          <a:stretch>
+            <a:fillRect/>
+          </a:stretch>
+        </p:blipFill>
+        <p:spPr>
+          <a:xfrm>
+            <a:off x="5476682" y="2339006"/>
+            <a:ext cx="3218431" cy="3175231"/>
+          </a:xfrm>
+          <a:prstGeom prst="rect">
+            <a:avLst/>
+          </a:prstGeom>
+        </p:spPr>
+      </p:pic>
+      <p:pic>
+        <p:nvPicPr>
+          <p:cNvPr id="6" name="그림 5"/>
+          <p:cNvPicPr>
+            <a:picLocks noChangeAspect="1"/>
+          </p:cNvPicPr>
+          <p:nvPr/>
+        </p:nvPicPr>
+        <p:blipFill>
+          <a:blip r:embed="rId4">
+            <a:extLst>
+              <a:ext uri="{28A0092B-C50C-407E-A947-70E740481C1C}">
+                <a14:useLocalDpi xmlns:a14="http://schemas.microsoft.com/office/drawing/2010/main" val="0"/>
+              </a:ext>
+            </a:extLst>
+          </a:blip>
+          <a:stretch>
+            <a:fillRect/>
+          </a:stretch>
+        </p:blipFill>
+        <p:spPr>
+          <a:xfrm>
+            <a:off x="89924" y="2581527"/>
+            <a:ext cx="5192252" cy="2690188"/>
+          </a:xfrm>
+          <a:prstGeom prst="rect">
+            <a:avLst/>
+          </a:prstGeom>
+        </p:spPr>
+      </p:pic>
+    </p:spTree>
+    <p:extLst>
+      <p:ext uri="{BB962C8B-B14F-4D97-AF65-F5344CB8AC3E}">
+        <p14:creationId xmlns:p14="http://schemas.microsoft.com/office/powerpoint/2010/main" val="4225186576"/>
       </p:ext>
     </p:extLst>
   </p:cSld>
@@ -6033,6 +6377,944 @@
         <p:spPr>
           <a:xfrm>
             <a:off x="0" y="26578"/>
+            <a:ext cx="1335622" cy="400110"/>
+          </a:xfrm>
+          <a:prstGeom prst="rect">
+            <a:avLst/>
+          </a:prstGeom>
+          <a:noFill/>
+        </p:spPr>
+        <p:txBody>
+          <a:bodyPr wrap="none" rtlCol="0">
+            <a:spAutoFit/>
+          </a:bodyPr>
+          <a:lstStyle/>
+          <a:p>
+            <a:r>
+              <a:rPr lang="en-US" altLang="ko-KR" sz="2000" b="1" dirty="0" smtClean="0">
+                <a:solidFill>
+                  <a:srgbClr val="3333FF"/>
+                </a:solidFill>
+              </a:rPr>
+              <a:t>Q Learning</a:t>
+            </a:r>
+            <a:endParaRPr lang="ko-KR" altLang="en-US" sz="2000" b="1" dirty="0">
+              <a:solidFill>
+                <a:srgbClr val="3333FF"/>
+              </a:solidFill>
+            </a:endParaRPr>
+          </a:p>
+        </p:txBody>
+      </p:sp>
+      <mc:AlternateContent xmlns:mc="http://schemas.openxmlformats.org/markup-compatibility/2006" xmlns:a14="http://schemas.microsoft.com/office/drawing/2010/main">
+        <mc:Choice Requires="a14">
+          <p:sp>
+            <p:nvSpPr>
+              <p:cNvPr id="4" name="TextBox 3"/>
+              <p:cNvSpPr txBox="1"/>
+              <p:nvPr/>
+            </p:nvSpPr>
+            <p:spPr>
+              <a:xfrm>
+                <a:off x="374073" y="1662355"/>
+                <a:ext cx="8237127" cy="576183"/>
+              </a:xfrm>
+              <a:prstGeom prst="rect">
+                <a:avLst/>
+              </a:prstGeom>
+              <a:noFill/>
+            </p:spPr>
+            <p:txBody>
+              <a:bodyPr wrap="none" lIns="0" tIns="0" rIns="0" bIns="0" rtlCol="0">
+                <a:spAutoFit/>
+              </a:bodyPr>
+              <a:lstStyle/>
+              <a:p>
+                <a:pPr/>
+                <a14:m>
+                  <m:oMathPara xmlns:m="http://schemas.openxmlformats.org/officeDocument/2006/math">
+                    <m:oMathParaPr>
+                      <m:jc m:val="centerGroup"/>
+                    </m:oMathParaPr>
+                    <m:oMath xmlns:m="http://schemas.openxmlformats.org/officeDocument/2006/math">
+                      <m:r>
+                        <a:rPr lang="en-US" altLang="ko-KR" sz="2400" b="0" i="1" smtClean="0">
+                          <a:latin typeface="Cambria Math" panose="02040503050406030204" pitchFamily="18" charset="0"/>
+                        </a:rPr>
+                        <m:t>𝑄</m:t>
+                      </m:r>
+                      <m:d>
+                        <m:dPr>
+                          <m:ctrlPr>
+                            <a:rPr lang="en-US" altLang="ko-KR" sz="2400" b="0" i="1" smtClean="0">
+                              <a:latin typeface="Cambria Math" panose="02040503050406030204" pitchFamily="18" charset="0"/>
+                            </a:rPr>
+                          </m:ctrlPr>
+                        </m:dPr>
+                        <m:e>
+                          <m:sSub>
+                            <m:sSubPr>
+                              <m:ctrlPr>
+                                <a:rPr lang="en-US" altLang="ko-KR" sz="2400" b="0" i="1" smtClean="0">
+                                  <a:latin typeface="Cambria Math" panose="02040503050406030204" pitchFamily="18" charset="0"/>
+                                </a:rPr>
+                              </m:ctrlPr>
+                            </m:sSubPr>
+                            <m:e>
+                              <m:r>
+                                <a:rPr lang="en-US" altLang="ko-KR" sz="2400" b="0" i="1" smtClean="0">
+                                  <a:latin typeface="Cambria Math" panose="02040503050406030204" pitchFamily="18" charset="0"/>
+                                </a:rPr>
+                                <m:t>𝑠</m:t>
+                              </m:r>
+                            </m:e>
+                            <m:sub>
+                              <m:r>
+                                <a:rPr lang="en-US" altLang="ko-KR" sz="2400" b="0" i="1" smtClean="0">
+                                  <a:latin typeface="Cambria Math" panose="02040503050406030204" pitchFamily="18" charset="0"/>
+                                </a:rPr>
+                                <m:t>𝑡</m:t>
+                              </m:r>
+                            </m:sub>
+                          </m:sSub>
+                          <m:r>
+                            <a:rPr lang="en-US" altLang="ko-KR" sz="2400" b="0" i="1" smtClean="0">
+                              <a:latin typeface="Cambria Math" panose="02040503050406030204" pitchFamily="18" charset="0"/>
+                            </a:rPr>
+                            <m:t>,</m:t>
+                          </m:r>
+                          <m:sSub>
+                            <m:sSubPr>
+                              <m:ctrlPr>
+                                <a:rPr lang="en-US" altLang="ko-KR" sz="2400" b="0" i="1" smtClean="0">
+                                  <a:latin typeface="Cambria Math" panose="02040503050406030204" pitchFamily="18" charset="0"/>
+                                </a:rPr>
+                              </m:ctrlPr>
+                            </m:sSubPr>
+                            <m:e>
+                              <m:r>
+                                <a:rPr lang="en-US" altLang="ko-KR" sz="2400" b="0" i="1" smtClean="0">
+                                  <a:latin typeface="Cambria Math" panose="02040503050406030204" pitchFamily="18" charset="0"/>
+                                </a:rPr>
+                                <m:t>𝑎</m:t>
+                              </m:r>
+                            </m:e>
+                            <m:sub>
+                              <m:r>
+                                <a:rPr lang="en-US" altLang="ko-KR" sz="2400" b="0" i="1" smtClean="0">
+                                  <a:latin typeface="Cambria Math" panose="02040503050406030204" pitchFamily="18" charset="0"/>
+                                </a:rPr>
+                                <m:t>𝑡</m:t>
+                              </m:r>
+                            </m:sub>
+                          </m:sSub>
+                        </m:e>
+                      </m:d>
+                      <m:r>
+                        <a:rPr lang="en-US" altLang="ko-KR" sz="2400" b="0" i="1" smtClean="0">
+                          <a:latin typeface="Cambria Math" panose="02040503050406030204" pitchFamily="18" charset="0"/>
+                        </a:rPr>
+                        <m:t> </m:t>
+                      </m:r>
+                      <m:r>
+                        <a:rPr lang="en-US" altLang="ko-KR" sz="2400" b="0" i="1" smtClean="0">
+                          <a:latin typeface="Cambria Math" panose="02040503050406030204" pitchFamily="18" charset="0"/>
+                          <a:ea typeface="Cambria Math" panose="02040503050406030204" pitchFamily="18" charset="0"/>
+                        </a:rPr>
+                        <m:t>←</m:t>
+                      </m:r>
+                      <m:r>
+                        <a:rPr lang="en-US" altLang="ko-KR" sz="2400" b="0" i="1" smtClean="0">
+                          <a:latin typeface="Cambria Math" panose="02040503050406030204" pitchFamily="18" charset="0"/>
+                          <a:ea typeface="Cambria Math" panose="02040503050406030204" pitchFamily="18" charset="0"/>
+                        </a:rPr>
+                        <m:t>𝑄</m:t>
+                      </m:r>
+                      <m:d>
+                        <m:dPr>
+                          <m:ctrlPr>
+                            <a:rPr lang="en-US" altLang="ko-KR" sz="2400" b="0" i="1" smtClean="0">
+                              <a:latin typeface="Cambria Math" panose="02040503050406030204" pitchFamily="18" charset="0"/>
+                              <a:ea typeface="Cambria Math" panose="02040503050406030204" pitchFamily="18" charset="0"/>
+                            </a:rPr>
+                          </m:ctrlPr>
+                        </m:dPr>
+                        <m:e>
+                          <m:sSub>
+                            <m:sSubPr>
+                              <m:ctrlPr>
+                                <a:rPr lang="en-US" altLang="ko-KR" sz="2400" b="0" i="1" smtClean="0">
+                                  <a:latin typeface="Cambria Math" panose="02040503050406030204" pitchFamily="18" charset="0"/>
+                                  <a:ea typeface="Cambria Math" panose="02040503050406030204" pitchFamily="18" charset="0"/>
+                                </a:rPr>
+                              </m:ctrlPr>
+                            </m:sSubPr>
+                            <m:e>
+                              <m:r>
+                                <a:rPr lang="en-US" altLang="ko-KR" sz="2400" b="0" i="1" smtClean="0">
+                                  <a:latin typeface="Cambria Math" panose="02040503050406030204" pitchFamily="18" charset="0"/>
+                                  <a:ea typeface="Cambria Math" panose="02040503050406030204" pitchFamily="18" charset="0"/>
+                                </a:rPr>
+                                <m:t>𝑠</m:t>
+                              </m:r>
+                            </m:e>
+                            <m:sub>
+                              <m:r>
+                                <a:rPr lang="en-US" altLang="ko-KR" sz="2400" b="0" i="1" smtClean="0">
+                                  <a:latin typeface="Cambria Math" panose="02040503050406030204" pitchFamily="18" charset="0"/>
+                                  <a:ea typeface="Cambria Math" panose="02040503050406030204" pitchFamily="18" charset="0"/>
+                                </a:rPr>
+                                <m:t>𝑡</m:t>
+                              </m:r>
+                            </m:sub>
+                          </m:sSub>
+                          <m:r>
+                            <a:rPr lang="en-US" altLang="ko-KR" sz="2400" b="0" i="1" smtClean="0">
+                              <a:latin typeface="Cambria Math" panose="02040503050406030204" pitchFamily="18" charset="0"/>
+                              <a:ea typeface="Cambria Math" panose="02040503050406030204" pitchFamily="18" charset="0"/>
+                            </a:rPr>
+                            <m:t>,</m:t>
+                          </m:r>
+                          <m:sSub>
+                            <m:sSubPr>
+                              <m:ctrlPr>
+                                <a:rPr lang="en-US" altLang="ko-KR" sz="2400" b="0" i="1" smtClean="0">
+                                  <a:latin typeface="Cambria Math" panose="02040503050406030204" pitchFamily="18" charset="0"/>
+                                  <a:ea typeface="Cambria Math" panose="02040503050406030204" pitchFamily="18" charset="0"/>
+                                </a:rPr>
+                              </m:ctrlPr>
+                            </m:sSubPr>
+                            <m:e>
+                              <m:r>
+                                <a:rPr lang="en-US" altLang="ko-KR" sz="2400" b="0" i="1" smtClean="0">
+                                  <a:latin typeface="Cambria Math" panose="02040503050406030204" pitchFamily="18" charset="0"/>
+                                  <a:ea typeface="Cambria Math" panose="02040503050406030204" pitchFamily="18" charset="0"/>
+                                </a:rPr>
+                                <m:t>𝑎</m:t>
+                              </m:r>
+                            </m:e>
+                            <m:sub>
+                              <m:r>
+                                <a:rPr lang="en-US" altLang="ko-KR" sz="2400" b="0" i="1" smtClean="0">
+                                  <a:latin typeface="Cambria Math" panose="02040503050406030204" pitchFamily="18" charset="0"/>
+                                  <a:ea typeface="Cambria Math" panose="02040503050406030204" pitchFamily="18" charset="0"/>
+                                </a:rPr>
+                                <m:t>𝑡</m:t>
+                              </m:r>
+                            </m:sub>
+                          </m:sSub>
+                        </m:e>
+                      </m:d>
+                      <m:r>
+                        <a:rPr lang="en-US" altLang="ko-KR" sz="2400" b="0" i="1" smtClean="0">
+                          <a:latin typeface="Cambria Math" panose="02040503050406030204" pitchFamily="18" charset="0"/>
+                          <a:ea typeface="Cambria Math" panose="02040503050406030204" pitchFamily="18" charset="0"/>
+                        </a:rPr>
+                        <m:t>+</m:t>
+                      </m:r>
+                      <m:r>
+                        <a:rPr lang="en-US" altLang="ko-KR" sz="2400" b="0" i="1" smtClean="0">
+                          <a:latin typeface="Cambria Math" panose="02040503050406030204" pitchFamily="18" charset="0"/>
+                          <a:ea typeface="Cambria Math" panose="02040503050406030204" pitchFamily="18" charset="0"/>
+                        </a:rPr>
+                        <m:t>𝛼</m:t>
+                      </m:r>
+                      <m:d>
+                        <m:dPr>
+                          <m:begChr m:val="["/>
+                          <m:endChr m:val="]"/>
+                          <m:ctrlPr>
+                            <a:rPr lang="en-US" altLang="ko-KR" sz="2400" b="0" i="1" smtClean="0">
+                              <a:latin typeface="Cambria Math" panose="02040503050406030204" pitchFamily="18" charset="0"/>
+                              <a:ea typeface="Cambria Math" panose="02040503050406030204" pitchFamily="18" charset="0"/>
+                            </a:rPr>
+                          </m:ctrlPr>
+                        </m:dPr>
+                        <m:e>
+                          <m:sSub>
+                            <m:sSubPr>
+                              <m:ctrlPr>
+                                <a:rPr lang="en-US" altLang="ko-KR" sz="2400" b="0" i="1" smtClean="0">
+                                  <a:latin typeface="Cambria Math" panose="02040503050406030204" pitchFamily="18" charset="0"/>
+                                  <a:ea typeface="Cambria Math" panose="02040503050406030204" pitchFamily="18" charset="0"/>
+                                </a:rPr>
+                              </m:ctrlPr>
+                            </m:sSubPr>
+                            <m:e>
+                              <m:r>
+                                <a:rPr lang="en-US" altLang="ko-KR" sz="2400" b="0" i="1" smtClean="0">
+                                  <a:latin typeface="Cambria Math" panose="02040503050406030204" pitchFamily="18" charset="0"/>
+                                  <a:ea typeface="Cambria Math" panose="02040503050406030204" pitchFamily="18" charset="0"/>
+                                </a:rPr>
+                                <m:t>𝑟</m:t>
+                              </m:r>
+                            </m:e>
+                            <m:sub>
+                              <m:r>
+                                <a:rPr lang="en-US" altLang="ko-KR" sz="2400" b="0" i="1" smtClean="0">
+                                  <a:latin typeface="Cambria Math" panose="02040503050406030204" pitchFamily="18" charset="0"/>
+                                  <a:ea typeface="Cambria Math" panose="02040503050406030204" pitchFamily="18" charset="0"/>
+                                </a:rPr>
+                                <m:t>𝑡</m:t>
+                              </m:r>
+                              <m:r>
+                                <a:rPr lang="en-US" altLang="ko-KR" sz="2400" b="0" i="1" smtClean="0">
+                                  <a:latin typeface="Cambria Math" panose="02040503050406030204" pitchFamily="18" charset="0"/>
+                                  <a:ea typeface="Cambria Math" panose="02040503050406030204" pitchFamily="18" charset="0"/>
+                                </a:rPr>
+                                <m:t>+1 </m:t>
+                              </m:r>
+                            </m:sub>
+                          </m:sSub>
+                          <m:r>
+                            <a:rPr lang="en-US" altLang="ko-KR" sz="2400" b="0" i="1" smtClean="0">
+                              <a:latin typeface="Cambria Math" panose="02040503050406030204" pitchFamily="18" charset="0"/>
+                              <a:ea typeface="Cambria Math" panose="02040503050406030204" pitchFamily="18" charset="0"/>
+                            </a:rPr>
+                            <m:t>+</m:t>
+                          </m:r>
+                          <m:r>
+                            <a:rPr lang="en-US" altLang="ko-KR" sz="2400" b="0" i="1" smtClean="0">
+                              <a:latin typeface="Cambria Math" panose="02040503050406030204" pitchFamily="18" charset="0"/>
+                              <a:ea typeface="Cambria Math" panose="02040503050406030204" pitchFamily="18" charset="0"/>
+                            </a:rPr>
+                            <m:t>𝛾</m:t>
+                          </m:r>
+                          <m:func>
+                            <m:funcPr>
+                              <m:ctrlPr>
+                                <a:rPr lang="en-US" altLang="ko-KR" sz="2400" b="0" i="1" smtClean="0">
+                                  <a:latin typeface="Cambria Math" panose="02040503050406030204" pitchFamily="18" charset="0"/>
+                                  <a:ea typeface="Cambria Math" panose="02040503050406030204" pitchFamily="18" charset="0"/>
+                                </a:rPr>
+                              </m:ctrlPr>
+                            </m:funcPr>
+                            <m:fName>
+                              <m:limLow>
+                                <m:limLowPr>
+                                  <m:ctrlPr>
+                                    <a:rPr lang="en-US" altLang="ko-KR" sz="2400" b="0" i="1" smtClean="0">
+                                      <a:latin typeface="Cambria Math" panose="02040503050406030204" pitchFamily="18" charset="0"/>
+                                      <a:ea typeface="Cambria Math" panose="02040503050406030204" pitchFamily="18" charset="0"/>
+                                    </a:rPr>
+                                  </m:ctrlPr>
+                                </m:limLowPr>
+                                <m:e>
+                                  <m:r>
+                                    <m:rPr>
+                                      <m:sty m:val="p"/>
+                                    </m:rPr>
+                                    <a:rPr lang="en-US" altLang="ko-KR" sz="2400" b="0" i="0" smtClean="0">
+                                      <a:latin typeface="Cambria Math" panose="02040503050406030204" pitchFamily="18" charset="0"/>
+                                      <a:ea typeface="Cambria Math" panose="02040503050406030204" pitchFamily="18" charset="0"/>
+                                    </a:rPr>
+                                    <m:t>max</m:t>
+                                  </m:r>
+                                </m:e>
+                                <m:lim>
+                                  <m:r>
+                                    <a:rPr lang="en-US" altLang="ko-KR" sz="2400" b="0" i="1" smtClean="0">
+                                      <a:latin typeface="Cambria Math" panose="02040503050406030204" pitchFamily="18" charset="0"/>
+                                      <a:ea typeface="Cambria Math" panose="02040503050406030204" pitchFamily="18" charset="0"/>
+                                    </a:rPr>
+                                    <m:t>𝑎</m:t>
+                                  </m:r>
+                                </m:lim>
+                              </m:limLow>
+                            </m:fName>
+                            <m:e>
+                              <m:r>
+                                <a:rPr lang="en-US" altLang="ko-KR" sz="2400" b="0" i="1" smtClean="0">
+                                  <a:latin typeface="Cambria Math" panose="02040503050406030204" pitchFamily="18" charset="0"/>
+                                  <a:ea typeface="Cambria Math" panose="02040503050406030204" pitchFamily="18" charset="0"/>
+                                </a:rPr>
+                                <m:t>𝑄</m:t>
+                              </m:r>
+                              <m:d>
+                                <m:dPr>
+                                  <m:ctrlPr>
+                                    <a:rPr lang="en-US" altLang="ko-KR" sz="2400" b="0" i="1" smtClean="0">
+                                      <a:latin typeface="Cambria Math" panose="02040503050406030204" pitchFamily="18" charset="0"/>
+                                      <a:ea typeface="Cambria Math" panose="02040503050406030204" pitchFamily="18" charset="0"/>
+                                    </a:rPr>
+                                  </m:ctrlPr>
+                                </m:dPr>
+                                <m:e>
+                                  <m:sSub>
+                                    <m:sSubPr>
+                                      <m:ctrlPr>
+                                        <a:rPr lang="en-US" altLang="ko-KR" sz="2400" b="0" i="1" smtClean="0">
+                                          <a:latin typeface="Cambria Math" panose="02040503050406030204" pitchFamily="18" charset="0"/>
+                                          <a:ea typeface="Cambria Math" panose="02040503050406030204" pitchFamily="18" charset="0"/>
+                                        </a:rPr>
+                                      </m:ctrlPr>
+                                    </m:sSubPr>
+                                    <m:e>
+                                      <m:r>
+                                        <a:rPr lang="en-US" altLang="ko-KR" sz="2400" b="0" i="1" smtClean="0">
+                                          <a:latin typeface="Cambria Math" panose="02040503050406030204" pitchFamily="18" charset="0"/>
+                                          <a:ea typeface="Cambria Math" panose="02040503050406030204" pitchFamily="18" charset="0"/>
+                                        </a:rPr>
+                                        <m:t>𝑠</m:t>
+                                      </m:r>
+                                    </m:e>
+                                    <m:sub>
+                                      <m:r>
+                                        <a:rPr lang="en-US" altLang="ko-KR" sz="2400" b="0" i="1" smtClean="0">
+                                          <a:latin typeface="Cambria Math" panose="02040503050406030204" pitchFamily="18" charset="0"/>
+                                          <a:ea typeface="Cambria Math" panose="02040503050406030204" pitchFamily="18" charset="0"/>
+                                        </a:rPr>
+                                        <m:t>𝑡</m:t>
+                                      </m:r>
+                                      <m:r>
+                                        <a:rPr lang="en-US" altLang="ko-KR" sz="2400" b="0" i="1" smtClean="0">
+                                          <a:latin typeface="Cambria Math" panose="02040503050406030204" pitchFamily="18" charset="0"/>
+                                          <a:ea typeface="Cambria Math" panose="02040503050406030204" pitchFamily="18" charset="0"/>
+                                        </a:rPr>
+                                        <m:t>+1</m:t>
+                                      </m:r>
+                                    </m:sub>
+                                  </m:sSub>
+                                  <m:r>
+                                    <a:rPr lang="en-US" altLang="ko-KR" sz="2400" b="0" i="1" smtClean="0">
+                                      <a:latin typeface="Cambria Math" panose="02040503050406030204" pitchFamily="18" charset="0"/>
+                                      <a:ea typeface="Cambria Math" panose="02040503050406030204" pitchFamily="18" charset="0"/>
+                                    </a:rPr>
+                                    <m:t>,</m:t>
+                                  </m:r>
+                                  <m:r>
+                                    <a:rPr lang="en-US" altLang="ko-KR" sz="2400" b="0" i="1" smtClean="0">
+                                      <a:latin typeface="Cambria Math" panose="02040503050406030204" pitchFamily="18" charset="0"/>
+                                      <a:ea typeface="Cambria Math" panose="02040503050406030204" pitchFamily="18" charset="0"/>
+                                    </a:rPr>
+                                    <m:t>𝑎</m:t>
+                                  </m:r>
+                                </m:e>
+                              </m:d>
+                            </m:e>
+                          </m:func>
+                          <m:r>
+                            <a:rPr lang="en-US" altLang="ko-KR" sz="2400" b="0" i="1" smtClean="0">
+                              <a:latin typeface="Cambria Math" panose="02040503050406030204" pitchFamily="18" charset="0"/>
+                              <a:ea typeface="Cambria Math" panose="02040503050406030204" pitchFamily="18" charset="0"/>
+                            </a:rPr>
+                            <m:t>−</m:t>
+                          </m:r>
+                          <m:r>
+                            <a:rPr lang="en-US" altLang="ko-KR" sz="2400" b="0" i="1" smtClean="0">
+                              <a:latin typeface="Cambria Math" panose="02040503050406030204" pitchFamily="18" charset="0"/>
+                              <a:ea typeface="Cambria Math" panose="02040503050406030204" pitchFamily="18" charset="0"/>
+                            </a:rPr>
+                            <m:t>𝑄</m:t>
+                          </m:r>
+                          <m:d>
+                            <m:dPr>
+                              <m:ctrlPr>
+                                <a:rPr lang="en-US" altLang="ko-KR" sz="2400" b="0" i="1" smtClean="0">
+                                  <a:latin typeface="Cambria Math" panose="02040503050406030204" pitchFamily="18" charset="0"/>
+                                  <a:ea typeface="Cambria Math" panose="02040503050406030204" pitchFamily="18" charset="0"/>
+                                </a:rPr>
+                              </m:ctrlPr>
+                            </m:dPr>
+                            <m:e>
+                              <m:sSub>
+                                <m:sSubPr>
+                                  <m:ctrlPr>
+                                    <a:rPr lang="en-US" altLang="ko-KR" sz="2400" b="0" i="1" smtClean="0">
+                                      <a:latin typeface="Cambria Math" panose="02040503050406030204" pitchFamily="18" charset="0"/>
+                                      <a:ea typeface="Cambria Math" panose="02040503050406030204" pitchFamily="18" charset="0"/>
+                                    </a:rPr>
+                                  </m:ctrlPr>
+                                </m:sSubPr>
+                                <m:e>
+                                  <m:r>
+                                    <a:rPr lang="en-US" altLang="ko-KR" sz="2400" b="0" i="1" smtClean="0">
+                                      <a:latin typeface="Cambria Math" panose="02040503050406030204" pitchFamily="18" charset="0"/>
+                                      <a:ea typeface="Cambria Math" panose="02040503050406030204" pitchFamily="18" charset="0"/>
+                                    </a:rPr>
+                                    <m:t>𝑠</m:t>
+                                  </m:r>
+                                </m:e>
+                                <m:sub>
+                                  <m:r>
+                                    <a:rPr lang="en-US" altLang="ko-KR" sz="2400" b="0" i="1" smtClean="0">
+                                      <a:latin typeface="Cambria Math" panose="02040503050406030204" pitchFamily="18" charset="0"/>
+                                      <a:ea typeface="Cambria Math" panose="02040503050406030204" pitchFamily="18" charset="0"/>
+                                    </a:rPr>
+                                    <m:t>𝑡</m:t>
+                                  </m:r>
+                                </m:sub>
+                              </m:sSub>
+                              <m:r>
+                                <a:rPr lang="en-US" altLang="ko-KR" sz="2400" b="0" i="1" smtClean="0">
+                                  <a:latin typeface="Cambria Math" panose="02040503050406030204" pitchFamily="18" charset="0"/>
+                                  <a:ea typeface="Cambria Math" panose="02040503050406030204" pitchFamily="18" charset="0"/>
+                                </a:rPr>
+                                <m:t>,</m:t>
+                              </m:r>
+                              <m:sSub>
+                                <m:sSubPr>
+                                  <m:ctrlPr>
+                                    <a:rPr lang="en-US" altLang="ko-KR" sz="2400" b="0" i="1" smtClean="0">
+                                      <a:latin typeface="Cambria Math" panose="02040503050406030204" pitchFamily="18" charset="0"/>
+                                      <a:ea typeface="Cambria Math" panose="02040503050406030204" pitchFamily="18" charset="0"/>
+                                    </a:rPr>
+                                  </m:ctrlPr>
+                                </m:sSubPr>
+                                <m:e>
+                                  <m:r>
+                                    <a:rPr lang="en-US" altLang="ko-KR" sz="2400" b="0" i="1" smtClean="0">
+                                      <a:latin typeface="Cambria Math" panose="02040503050406030204" pitchFamily="18" charset="0"/>
+                                      <a:ea typeface="Cambria Math" panose="02040503050406030204" pitchFamily="18" charset="0"/>
+                                    </a:rPr>
+                                    <m:t>𝑎</m:t>
+                                  </m:r>
+                                </m:e>
+                                <m:sub>
+                                  <m:r>
+                                    <a:rPr lang="en-US" altLang="ko-KR" sz="2400" b="0" i="1" smtClean="0">
+                                      <a:latin typeface="Cambria Math" panose="02040503050406030204" pitchFamily="18" charset="0"/>
+                                      <a:ea typeface="Cambria Math" panose="02040503050406030204" pitchFamily="18" charset="0"/>
+                                    </a:rPr>
+                                    <m:t>𝑡</m:t>
+                                  </m:r>
+                                </m:sub>
+                              </m:sSub>
+                            </m:e>
+                          </m:d>
+                        </m:e>
+                      </m:d>
+                    </m:oMath>
+                  </m:oMathPara>
+                </a14:m>
+                <a:endParaRPr lang="ko-KR" altLang="en-US" sz="2400" dirty="0"/>
+              </a:p>
+            </p:txBody>
+          </p:sp>
+        </mc:Choice>
+        <mc:Fallback xmlns="">
+          <p:sp>
+            <p:nvSpPr>
+              <p:cNvPr id="4" name="TextBox 3"/>
+              <p:cNvSpPr txBox="1">
+                <a:spLocks noRot="1" noChangeAspect="1" noMove="1" noResize="1" noEditPoints="1" noAdjustHandles="1" noChangeArrowheads="1" noChangeShapeType="1" noTextEdit="1"/>
+              </p:cNvSpPr>
+              <p:nvPr/>
+            </p:nvSpPr>
+            <p:spPr>
+              <a:xfrm>
+                <a:off x="374073" y="1662355"/>
+                <a:ext cx="8237127" cy="576183"/>
+              </a:xfrm>
+              <a:prstGeom prst="rect">
+                <a:avLst/>
+              </a:prstGeom>
+              <a:blipFill>
+                <a:blip r:embed="rId3"/>
+                <a:stretch>
+                  <a:fillRect/>
+                </a:stretch>
+              </a:blipFill>
+            </p:spPr>
+            <p:txBody>
+              <a:bodyPr/>
+              <a:lstStyle/>
+              <a:p>
+                <a:r>
+                  <a:rPr lang="ko-KR" altLang="en-US">
+                    <a:noFill/>
+                  </a:rPr>
+                  <a:t> </a:t>
+                </a:r>
+              </a:p>
+            </p:txBody>
+          </p:sp>
+        </mc:Fallback>
+      </mc:AlternateContent>
+      <p:sp>
+        <p:nvSpPr>
+          <p:cNvPr id="6" name="TextBox 5"/>
+          <p:cNvSpPr txBox="1"/>
+          <p:nvPr/>
+        </p:nvSpPr>
+        <p:spPr>
+          <a:xfrm>
+            <a:off x="78886" y="2267573"/>
+            <a:ext cx="8928470" cy="338554"/>
+          </a:xfrm>
+          <a:prstGeom prst="rect">
+            <a:avLst/>
+          </a:prstGeom>
+          <a:noFill/>
+        </p:spPr>
+        <p:txBody>
+          <a:bodyPr wrap="none" rtlCol="0">
+            <a:spAutoFit/>
+          </a:bodyPr>
+          <a:lstStyle/>
+          <a:p>
+            <a:r>
+              <a:rPr lang="en-US" altLang="ko-KR" sz="1600" dirty="0" smtClean="0"/>
+              <a:t>The New Action Value = The Old Value + The Learning Rate*(The New Information – The Old Information)</a:t>
+            </a:r>
+            <a:endParaRPr lang="ko-KR" altLang="en-US" sz="1600" dirty="0"/>
+          </a:p>
+        </p:txBody>
+      </p:sp>
+      <p:sp>
+        <p:nvSpPr>
+          <p:cNvPr id="9" name="TextBox 8"/>
+          <p:cNvSpPr txBox="1"/>
+          <p:nvPr/>
+        </p:nvSpPr>
+        <p:spPr>
+          <a:xfrm>
+            <a:off x="374073" y="721356"/>
+            <a:ext cx="5203156" cy="646331"/>
+          </a:xfrm>
+          <a:prstGeom prst="rect">
+            <a:avLst/>
+          </a:prstGeom>
+          <a:noFill/>
+        </p:spPr>
+        <p:txBody>
+          <a:bodyPr wrap="none" rtlCol="0">
+            <a:spAutoFit/>
+          </a:bodyPr>
+          <a:lstStyle/>
+          <a:p>
+            <a:r>
+              <a:rPr lang="en-US" altLang="ko-KR" dirty="0" smtClean="0"/>
+              <a:t>State(s), action(a), reward, state transition probability</a:t>
+            </a:r>
+          </a:p>
+          <a:p>
+            <a:r>
+              <a:rPr lang="en-US" altLang="ko-KR" dirty="0"/>
+              <a:t>Q: action-value </a:t>
+            </a:r>
+            <a:r>
+              <a:rPr lang="en-US" altLang="ko-KR" dirty="0" smtClean="0"/>
+              <a:t>function</a:t>
+            </a:r>
+            <a:endParaRPr lang="ko-KR" altLang="en-US" dirty="0"/>
+          </a:p>
+        </p:txBody>
+      </p:sp>
+      <p:pic>
+        <p:nvPicPr>
+          <p:cNvPr id="15" name="그림 14"/>
+          <p:cNvPicPr>
+            <a:picLocks noChangeAspect="1"/>
+          </p:cNvPicPr>
+          <p:nvPr/>
+        </p:nvPicPr>
+        <p:blipFill rotWithShape="1">
+          <a:blip r:embed="rId4">
+            <a:extLst>
+              <a:ext uri="{28A0092B-C50C-407E-A947-70E740481C1C}">
+                <a14:useLocalDpi xmlns:a14="http://schemas.microsoft.com/office/drawing/2010/main" val="0"/>
+              </a:ext>
+            </a:extLst>
+          </a:blip>
+          <a:srcRect l="4271" t="5390" r="6571" b="3278"/>
+          <a:stretch/>
+        </p:blipFill>
+        <p:spPr>
+          <a:xfrm>
+            <a:off x="479021" y="2606127"/>
+            <a:ext cx="3374968" cy="3840480"/>
+          </a:xfrm>
+          <a:prstGeom prst="rect">
+            <a:avLst/>
+          </a:prstGeom>
+        </p:spPr>
+      </p:pic>
+      <p:sp>
+        <p:nvSpPr>
+          <p:cNvPr id="17" name="TextBox 16"/>
+          <p:cNvSpPr txBox="1"/>
+          <p:nvPr/>
+        </p:nvSpPr>
+        <p:spPr>
+          <a:xfrm>
+            <a:off x="1821527" y="3023906"/>
+            <a:ext cx="689956" cy="369332"/>
+          </a:xfrm>
+          <a:prstGeom prst="rect">
+            <a:avLst/>
+          </a:prstGeom>
+          <a:noFill/>
+        </p:spPr>
+        <p:txBody>
+          <a:bodyPr wrap="square" rtlCol="0">
+            <a:spAutoFit/>
+          </a:bodyPr>
+          <a:lstStyle/>
+          <a:p>
+            <a:r>
+              <a:rPr lang="en-US" altLang="ko-KR" dirty="0" smtClean="0"/>
+              <a:t>Q(</a:t>
+            </a:r>
+            <a:r>
+              <a:rPr lang="en-US" altLang="ko-KR" dirty="0" err="1" smtClean="0"/>
+              <a:t>s,a</a:t>
+            </a:r>
+            <a:r>
+              <a:rPr lang="en-US" altLang="ko-KR" dirty="0" smtClean="0"/>
+              <a:t>)</a:t>
+            </a:r>
+            <a:endParaRPr lang="ko-KR" altLang="en-US" dirty="0"/>
+          </a:p>
+        </p:txBody>
+      </p:sp>
+      <p:cxnSp>
+        <p:nvCxnSpPr>
+          <p:cNvPr id="19" name="직선 화살표 연결선 18"/>
+          <p:cNvCxnSpPr>
+            <a:stCxn id="17" idx="3"/>
+          </p:cNvCxnSpPr>
+          <p:nvPr/>
+        </p:nvCxnSpPr>
+        <p:spPr>
+          <a:xfrm>
+            <a:off x="2511483" y="3208572"/>
+            <a:ext cx="2296045" cy="1017669"/>
+          </a:xfrm>
+          <a:prstGeom prst="straightConnector1">
+            <a:avLst/>
+          </a:prstGeom>
+          <a:ln w="38100">
+            <a:tailEnd type="triangle"/>
+          </a:ln>
+        </p:spPr>
+        <p:style>
+          <a:lnRef idx="1">
+            <a:schemeClr val="dk1"/>
+          </a:lnRef>
+          <a:fillRef idx="0">
+            <a:schemeClr val="dk1"/>
+          </a:fillRef>
+          <a:effectRef idx="0">
+            <a:schemeClr val="dk1"/>
+          </a:effectRef>
+          <a:fontRef idx="minor">
+            <a:schemeClr val="tx1"/>
+          </a:fontRef>
+        </p:style>
+      </p:cxnSp>
+      <p:sp>
+        <p:nvSpPr>
+          <p:cNvPr id="20" name="TextBox 19"/>
+          <p:cNvSpPr txBox="1"/>
+          <p:nvPr/>
+        </p:nvSpPr>
+        <p:spPr>
+          <a:xfrm>
+            <a:off x="5213466" y="2722683"/>
+            <a:ext cx="1881447" cy="369332"/>
+          </a:xfrm>
+          <a:prstGeom prst="rect">
+            <a:avLst/>
+          </a:prstGeom>
+          <a:noFill/>
+        </p:spPr>
+        <p:txBody>
+          <a:bodyPr wrap="square" rtlCol="0">
+            <a:spAutoFit/>
+          </a:bodyPr>
+          <a:lstStyle/>
+          <a:p>
+            <a:r>
+              <a:rPr lang="en-US" altLang="ko-KR" dirty="0" smtClean="0"/>
+              <a:t>Ex. Maze Q-table</a:t>
+            </a:r>
+            <a:endParaRPr lang="ko-KR" altLang="en-US" dirty="0"/>
+          </a:p>
+        </p:txBody>
+      </p:sp>
+      <p:pic>
+        <p:nvPicPr>
+          <p:cNvPr id="22" name="그림 21"/>
+          <p:cNvPicPr>
+            <a:picLocks noChangeAspect="1"/>
+          </p:cNvPicPr>
+          <p:nvPr/>
+        </p:nvPicPr>
+        <p:blipFill rotWithShape="1">
+          <a:blip r:embed="rId5">
+            <a:extLst>
+              <a:ext uri="{28A0092B-C50C-407E-A947-70E740481C1C}">
+                <a14:useLocalDpi xmlns:a14="http://schemas.microsoft.com/office/drawing/2010/main" val="0"/>
+              </a:ext>
+            </a:extLst>
+          </a:blip>
+          <a:srcRect l="26215" t="635" r="25752" b="392"/>
+          <a:stretch/>
+        </p:blipFill>
+        <p:spPr>
+          <a:xfrm>
+            <a:off x="4807528" y="3092015"/>
+            <a:ext cx="2693324" cy="2106915"/>
+          </a:xfrm>
+          <a:prstGeom prst="rect">
+            <a:avLst/>
+          </a:prstGeom>
+        </p:spPr>
+      </p:pic>
+      <p:sp>
+        <p:nvSpPr>
+          <p:cNvPr id="24" name="TextBox 23"/>
+          <p:cNvSpPr txBox="1"/>
+          <p:nvPr/>
+        </p:nvSpPr>
+        <p:spPr>
+          <a:xfrm>
+            <a:off x="3853989" y="5315487"/>
+            <a:ext cx="5394960" cy="1200329"/>
+          </a:xfrm>
+          <a:prstGeom prst="rect">
+            <a:avLst/>
+          </a:prstGeom>
+          <a:noFill/>
+        </p:spPr>
+        <p:txBody>
+          <a:bodyPr wrap="square" rtlCol="0">
+            <a:spAutoFit/>
+          </a:bodyPr>
+          <a:lstStyle/>
+          <a:p>
+            <a:r>
+              <a:rPr lang="en-US" altLang="ko-KR" dirty="0" smtClean="0"/>
+              <a:t>State = 12 * 12, action = 4 (up, down, right, left)</a:t>
+            </a:r>
+          </a:p>
+          <a:p>
+            <a:pPr marL="285750" indent="-285750">
+              <a:buFont typeface="Symbol" panose="05050102010706020507" pitchFamily="18" charset="2"/>
+              <a:buChar char="Þ"/>
+            </a:pPr>
+            <a:r>
+              <a:rPr lang="en-US" altLang="ko-KR" dirty="0" smtClean="0"/>
+              <a:t>Q-table: 12*12*4</a:t>
+            </a:r>
+          </a:p>
+          <a:p>
+            <a:endParaRPr lang="en-US" altLang="ko-KR" dirty="0"/>
+          </a:p>
+          <a:p>
+            <a:r>
+              <a:rPr lang="en-US" altLang="ko-KR" dirty="0" smtClean="0"/>
+              <a:t>State</a:t>
+            </a:r>
+            <a:r>
+              <a:rPr lang="ko-KR" altLang="en-US" dirty="0" smtClean="0"/>
+              <a:t>가 </a:t>
+            </a:r>
+            <a:r>
+              <a:rPr lang="en-US" altLang="ko-KR" dirty="0" smtClean="0"/>
+              <a:t>table</a:t>
+            </a:r>
+            <a:r>
+              <a:rPr lang="ko-KR" altLang="en-US" dirty="0" smtClean="0"/>
+              <a:t>로 정의하기 힘들 정도로 많아지면 문제</a:t>
+            </a:r>
+            <a:endParaRPr lang="ko-KR" altLang="en-US" dirty="0"/>
+          </a:p>
+        </p:txBody>
+      </p:sp>
+    </p:spTree>
+    <p:extLst>
+      <p:ext uri="{BB962C8B-B14F-4D97-AF65-F5344CB8AC3E}">
+        <p14:creationId xmlns:p14="http://schemas.microsoft.com/office/powerpoint/2010/main" val="2599042161"/>
+      </p:ext>
+    </p:extLst>
+  </p:cSld>
+  <p:clrMapOvr>
+    <a:masterClrMapping/>
+  </p:clrMapOvr>
+  <p:timing>
+    <p:tnLst>
+      <p:par>
+        <p:cTn id="1" dur="indefinite" restart="never" nodeType="tmRoot"/>
+      </p:par>
+    </p:tnLst>
+  </p:timing>
+</p:sld>
+</file>
+
+<file path=ppt/slides/slide5.xml><?xml version="1.0" encoding="utf-8"?>
+<p:sld xmlns:a="http://schemas.openxmlformats.org/drawingml/2006/main" xmlns:r="http://schemas.openxmlformats.org/officeDocument/2006/relationships" xmlns:p="http://schemas.openxmlformats.org/presentationml/2006/main">
+  <p:cSld>
+    <p:spTree>
+      <p:nvGrpSpPr>
+        <p:cNvPr id="1" name=""/>
+        <p:cNvGrpSpPr/>
+        <p:nvPr/>
+      </p:nvGrpSpPr>
+      <p:grpSpPr>
+        <a:xfrm>
+          <a:off x="0" y="0"/>
+          <a:ext cx="0" cy="0"/>
+          <a:chOff x="0" y="0"/>
+          <a:chExt cx="0" cy="0"/>
+        </a:xfrm>
+      </p:grpSpPr>
+      <p:sp>
+        <p:nvSpPr>
+          <p:cNvPr id="2" name="날짜 개체 틀 1"/>
+          <p:cNvSpPr>
+            <a:spLocks noGrp="1"/>
+          </p:cNvSpPr>
+          <p:nvPr>
+            <p:ph type="dt" sz="half" idx="10"/>
+          </p:nvPr>
+        </p:nvSpPr>
+        <p:spPr/>
+        <p:txBody>
+          <a:bodyPr/>
+          <a:lstStyle/>
+          <a:p>
+            <a:fld id="{32C03489-23FC-4021-B9AB-958EFB3C0FE7}" type="datetime1">
+              <a:rPr lang="ko-KR" altLang="en-US" smtClean="0"/>
+              <a:t>2019-03-25</a:t>
+            </a:fld>
+            <a:endParaRPr lang="ko-KR" altLang="en-US"/>
+          </a:p>
+        </p:txBody>
+      </p:sp>
+      <p:sp>
+        <p:nvSpPr>
+          <p:cNvPr id="3" name="슬라이드 번호 개체 틀 2"/>
+          <p:cNvSpPr>
+            <a:spLocks noGrp="1"/>
+          </p:cNvSpPr>
+          <p:nvPr>
+            <p:ph type="sldNum" sz="quarter" idx="12"/>
+          </p:nvPr>
+        </p:nvSpPr>
+        <p:spPr/>
+        <p:txBody>
+          <a:bodyPr/>
+          <a:lstStyle/>
+          <a:p>
+            <a:fld id="{8765F8EB-1186-4395-8E70-F957669279DD}" type="slidenum">
+              <a:rPr lang="ko-KR" altLang="en-US" smtClean="0"/>
+              <a:t>5</a:t>
+            </a:fld>
+            <a:endParaRPr lang="ko-KR" altLang="en-US"/>
+          </a:p>
+        </p:txBody>
+      </p:sp>
+      <p:sp>
+        <p:nvSpPr>
+          <p:cNvPr id="5" name="TextBox 4"/>
+          <p:cNvSpPr txBox="1"/>
+          <p:nvPr/>
+        </p:nvSpPr>
+        <p:spPr>
+          <a:xfrm>
+            <a:off x="0" y="26578"/>
             <a:ext cx="2428229" cy="400110"/>
           </a:xfrm>
           <a:prstGeom prst="rect">
@@ -6138,7 +7420,7 @@
         </p:nvSpPr>
         <p:spPr>
           <a:xfrm>
-            <a:off x="443141" y="3262019"/>
+            <a:off x="443141" y="3661031"/>
             <a:ext cx="7313412" cy="369332"/>
           </a:xfrm>
           <a:prstGeom prst="rect">
@@ -6174,8 +7456,8 @@
             </p:nvSpPr>
             <p:spPr>
               <a:xfrm>
-                <a:off x="2073720" y="3861053"/>
-                <a:ext cx="4996560" cy="417230"/>
+                <a:off x="2073720" y="4260065"/>
+                <a:ext cx="5156348" cy="425566"/>
               </a:xfrm>
               <a:prstGeom prst="rect">
                 <a:avLst/>
@@ -6188,6 +7470,7 @@
               </a:bodyPr>
               <a:lstStyle/>
               <a:p>
+                <a:pPr/>
                 <a14:m>
                   <m:oMathPara xmlns:m="http://schemas.openxmlformats.org/officeDocument/2006/math">
                     <m:oMathParaPr>
@@ -6215,7 +7498,7 @@
                             <a:rPr lang="en-US" altLang="ko-KR" b="0" i="1" smtClean="0">
                               <a:latin typeface="Cambria Math" panose="02040503050406030204" pitchFamily="18" charset="0"/>
                             </a:rPr>
-                            <m:t>𝐼</m:t>
+                            <m:t>𝑖</m:t>
                           </m:r>
                         </m:sub>
                       </m:sSub>
@@ -6581,8 +7864,8 @@
             </p:nvSpPr>
             <p:spPr>
               <a:xfrm>
-                <a:off x="2073720" y="3861053"/>
-                <a:ext cx="4996560" cy="417230"/>
+                <a:off x="2073720" y="4260065"/>
+                <a:ext cx="5156348" cy="425566"/>
               </a:xfrm>
               <a:prstGeom prst="rect">
                 <a:avLst/>
@@ -6590,7 +7873,7 @@
               <a:blipFill>
                 <a:blip r:embed="rId4"/>
                 <a:stretch>
-                  <a:fillRect l="-610" b="-4348"/>
+                  <a:fillRect b="-2857"/>
                 </a:stretch>
               </a:blipFill>
             </p:spPr>
@@ -6617,8 +7900,8 @@
         </p:nvSpPr>
         <p:spPr>
           <a:xfrm rot="16200000">
-            <a:off x="4165928" y="3411549"/>
-            <a:ext cx="339439" cy="2072911"/>
+            <a:off x="4323310" y="3795454"/>
+            <a:ext cx="339439" cy="2103123"/>
           </a:xfrm>
           <a:prstGeom prst="leftBrace">
             <a:avLst/>
@@ -6655,8 +7938,8 @@
         </p:nvSpPr>
         <p:spPr>
           <a:xfrm rot="16200000">
-            <a:off x="6233309" y="3891432"/>
-            <a:ext cx="339439" cy="1113143"/>
+            <a:off x="6148698" y="4375054"/>
+            <a:ext cx="339439" cy="943921"/>
           </a:xfrm>
           <a:prstGeom prst="leftBrace">
             <a:avLst/>
@@ -6693,7 +7976,7 @@
         </p:nvSpPr>
         <p:spPr>
           <a:xfrm>
-            <a:off x="3948297" y="4761681"/>
+            <a:off x="4105679" y="5102861"/>
             <a:ext cx="774700" cy="369332"/>
           </a:xfrm>
           <a:prstGeom prst="rect">
@@ -6723,7 +8006,7 @@
         </p:nvSpPr>
         <p:spPr>
           <a:xfrm>
-            <a:off x="6015678" y="4761681"/>
+            <a:off x="5931067" y="5102860"/>
             <a:ext cx="774700" cy="369332"/>
           </a:xfrm>
           <a:prstGeom prst="rect">
@@ -6765,7 +8048,7 @@
 </p:sld>
 </file>
 
-<file path=ppt/slides/slide5.xml><?xml version="1.0" encoding="utf-8"?>
+<file path=ppt/slides/slide6.xml><?xml version="1.0" encoding="utf-8"?>
 <p:sld xmlns:a="http://schemas.openxmlformats.org/drawingml/2006/main" xmlns:r="http://schemas.openxmlformats.org/officeDocument/2006/relationships" xmlns:p="http://schemas.openxmlformats.org/presentationml/2006/main">
   <p:cSld>
     <p:spTree>
@@ -6822,7 +8105,7 @@
           <a:p>
             <a:fld id="{8765F8EB-1186-4395-8E70-F957669279DD}" type="slidenum">
               <a:rPr lang="ko-KR" altLang="en-US" smtClean="0"/>
-              <a:t>5</a:t>
+              <a:t>6</a:t>
             </a:fld>
             <a:endParaRPr lang="ko-KR" altLang="en-US"/>
           </a:p>
@@ -6998,8 +8281,8 @@
           </a:fontRef>
         </p:style>
       </p:cxnSp>
-      <mc:AlternateContent xmlns:mc="http://schemas.openxmlformats.org/markup-compatibility/2006">
-        <mc:Choice xmlns:a14="http://schemas.microsoft.com/office/drawing/2010/main" Requires="a14">
+      <mc:AlternateContent xmlns:mc="http://schemas.openxmlformats.org/markup-compatibility/2006" xmlns:a14="http://schemas.microsoft.com/office/drawing/2010/main">
+        <mc:Choice Requires="a14">
           <p:sp>
             <p:nvSpPr>
               <p:cNvPr id="6" name="직사각형 5"/>
@@ -7021,6 +8304,7 @@
               </a:bodyPr>
               <a:lstStyle/>
               <a:p>
+                <a:pPr/>
                 <a14:m>
                   <m:oMathPara xmlns:m="http://schemas.openxmlformats.org/officeDocument/2006/math">
                     <m:oMathParaPr>
@@ -7060,7 +8344,7 @@
             </p:txBody>
           </p:sp>
         </mc:Choice>
-        <mc:Fallback>
+        <mc:Fallback xmlns="">
           <p:sp>
             <p:nvSpPr>
               <p:cNvPr id="6" name="직사각형 5"/>
@@ -7099,8 +8383,8 @@
           </p:sp>
         </mc:Fallback>
       </mc:AlternateContent>
-      <mc:AlternateContent xmlns:mc="http://schemas.openxmlformats.org/markup-compatibility/2006">
-        <mc:Choice xmlns:a14="http://schemas.microsoft.com/office/drawing/2010/main" Requires="a14">
+      <mc:AlternateContent xmlns:mc="http://schemas.openxmlformats.org/markup-compatibility/2006" xmlns:a14="http://schemas.microsoft.com/office/drawing/2010/main">
+        <mc:Choice Requires="a14">
           <p:sp>
             <p:nvSpPr>
               <p:cNvPr id="11" name="직사각형 10"/>
@@ -7122,6 +8406,7 @@
               </a:bodyPr>
               <a:lstStyle/>
               <a:p>
+                <a:pPr/>
                 <a14:m>
                   <m:oMathPara xmlns:m="http://schemas.openxmlformats.org/officeDocument/2006/math">
                     <m:oMathParaPr>
@@ -7161,7 +8446,7 @@
             </p:txBody>
           </p:sp>
         </mc:Choice>
-        <mc:Fallback>
+        <mc:Fallback xmlns="">
           <p:sp>
             <p:nvSpPr>
               <p:cNvPr id="11" name="직사각형 10"/>
@@ -7200,8 +8485,8 @@
           </p:sp>
         </mc:Fallback>
       </mc:AlternateContent>
-      <mc:AlternateContent xmlns:mc="http://schemas.openxmlformats.org/markup-compatibility/2006">
-        <mc:Choice xmlns:a14="http://schemas.microsoft.com/office/drawing/2010/main" Requires="a14">
+      <mc:AlternateContent xmlns:mc="http://schemas.openxmlformats.org/markup-compatibility/2006" xmlns:a14="http://schemas.microsoft.com/office/drawing/2010/main">
+        <mc:Choice Requires="a14">
           <p:sp>
             <p:nvSpPr>
               <p:cNvPr id="12" name="직사각형 11"/>
@@ -7223,6 +8508,7 @@
               </a:bodyPr>
               <a:lstStyle/>
               <a:p>
+                <a:pPr/>
                 <a14:m>
                   <m:oMathPara xmlns:m="http://schemas.openxmlformats.org/officeDocument/2006/math">
                     <m:oMathParaPr>
@@ -7262,7 +8548,7 @@
             </p:txBody>
           </p:sp>
         </mc:Choice>
-        <mc:Fallback>
+        <mc:Fallback xmlns="">
           <p:sp>
             <p:nvSpPr>
               <p:cNvPr id="12" name="직사각형 11"/>
@@ -7301,8 +8587,8 @@
           </p:sp>
         </mc:Fallback>
       </mc:AlternateContent>
-      <mc:AlternateContent xmlns:mc="http://schemas.openxmlformats.org/markup-compatibility/2006">
-        <mc:Choice xmlns:a14="http://schemas.microsoft.com/office/drawing/2010/main" Requires="a14">
+      <mc:AlternateContent xmlns:mc="http://schemas.openxmlformats.org/markup-compatibility/2006" xmlns:a14="http://schemas.microsoft.com/office/drawing/2010/main">
+        <mc:Choice Requires="a14">
           <p:sp>
             <p:nvSpPr>
               <p:cNvPr id="13" name="직사각형 12"/>
@@ -7368,7 +8654,7 @@
             </p:txBody>
           </p:sp>
         </mc:Choice>
-        <mc:Fallback>
+        <mc:Fallback xmlns="">
           <p:sp>
             <p:nvSpPr>
               <p:cNvPr id="13" name="직사각형 12"/>
@@ -7481,8 +8767,8 @@
           </a:p>
         </p:txBody>
       </p:sp>
-      <mc:AlternateContent xmlns:mc="http://schemas.openxmlformats.org/markup-compatibility/2006">
-        <mc:Choice xmlns:a14="http://schemas.microsoft.com/office/drawing/2010/main" Requires="a14">
+      <mc:AlternateContent xmlns:mc="http://schemas.openxmlformats.org/markup-compatibility/2006" xmlns:a14="http://schemas.microsoft.com/office/drawing/2010/main">
+        <mc:Choice Requires="a14">
           <p:sp>
             <p:nvSpPr>
               <p:cNvPr id="18" name="직사각형 17"/>
@@ -7542,7 +8828,7 @@
             </p:txBody>
           </p:sp>
         </mc:Choice>
-        <mc:Fallback>
+        <mc:Fallback xmlns="">
           <p:sp>
             <p:nvSpPr>
               <p:cNvPr id="18" name="직사각형 17"/>
@@ -7611,8 +8897,8 @@
           </a:prstGeom>
         </p:spPr>
       </p:pic>
-      <mc:AlternateContent xmlns:mc="http://schemas.openxmlformats.org/markup-compatibility/2006">
-        <mc:Choice xmlns:a14="http://schemas.microsoft.com/office/drawing/2010/main" Requires="a14">
+      <mc:AlternateContent xmlns:mc="http://schemas.openxmlformats.org/markup-compatibility/2006" xmlns:a14="http://schemas.microsoft.com/office/drawing/2010/main">
+        <mc:Choice Requires="a14">
           <p:sp>
             <p:nvSpPr>
               <p:cNvPr id="10" name="TextBox 9"/>
@@ -7635,6 +8921,7 @@
               </a:bodyPr>
               <a:lstStyle/>
               <a:p>
+                <a:pPr/>
                 <a14:m>
                   <m:oMathPara xmlns:m="http://schemas.openxmlformats.org/officeDocument/2006/math">
                     <m:oMathParaPr>
@@ -7844,7 +9131,7 @@
             </p:txBody>
           </p:sp>
         </mc:Choice>
-        <mc:Fallback>
+        <mc:Fallback xmlns="">
           <p:sp>
             <p:nvSpPr>
               <p:cNvPr id="10" name="TextBox 9"/>
@@ -7933,7 +9220,7 @@
 </p:sld>
 </file>
 
-<file path=ppt/slides/slide6.xml><?xml version="1.0" encoding="utf-8"?>
+<file path=ppt/slides/slide7.xml><?xml version="1.0" encoding="utf-8"?>
 <p:sld xmlns:a="http://schemas.openxmlformats.org/drawingml/2006/main" xmlns:r="http://schemas.openxmlformats.org/officeDocument/2006/relationships" xmlns:p="http://schemas.openxmlformats.org/presentationml/2006/main">
   <p:cSld>
     <p:spTree>
@@ -7990,7 +9277,7 @@
           <a:p>
             <a:fld id="{8765F8EB-1186-4395-8E70-F957669279DD}" type="slidenum">
               <a:rPr lang="ko-KR" altLang="en-US" smtClean="0"/>
-              <a:t>6</a:t>
+              <a:t>7</a:t>
             </a:fld>
             <a:endParaRPr lang="ko-KR" altLang="en-US"/>
           </a:p>
@@ -8261,8 +9548,8 @@
           </a:p>
         </p:txBody>
       </p:sp>
-      <mc:AlternateContent xmlns:mc="http://schemas.openxmlformats.org/markup-compatibility/2006">
-        <mc:Choice xmlns:a14="http://schemas.microsoft.com/office/drawing/2010/main" Requires="a14">
+      <mc:AlternateContent xmlns:mc="http://schemas.openxmlformats.org/markup-compatibility/2006" xmlns:a14="http://schemas.microsoft.com/office/drawing/2010/main">
+        <mc:Choice Requires="a14">
           <p:sp>
             <p:nvSpPr>
               <p:cNvPr id="4" name="TextBox 3"/>
@@ -8285,6 +9572,7 @@
               </a:bodyPr>
               <a:lstStyle/>
               <a:p>
+                <a:pPr/>
                 <a14:m>
                   <m:oMathPara xmlns:m="http://schemas.openxmlformats.org/officeDocument/2006/math">
                     <m:oMathParaPr>
@@ -8392,7 +9680,7 @@
             </p:txBody>
           </p:sp>
         </mc:Choice>
-        <mc:Fallback>
+        <mc:Fallback xmlns="">
           <p:sp>
             <p:nvSpPr>
               <p:cNvPr id="4" name="TextBox 3"/>
@@ -8431,8 +9719,8 @@
           </p:sp>
         </mc:Fallback>
       </mc:AlternateContent>
-      <mc:AlternateContent xmlns:mc="http://schemas.openxmlformats.org/markup-compatibility/2006">
-        <mc:Choice xmlns:a14="http://schemas.microsoft.com/office/drawing/2010/main" Requires="a14">
+      <mc:AlternateContent xmlns:mc="http://schemas.openxmlformats.org/markup-compatibility/2006" xmlns:a14="http://schemas.microsoft.com/office/drawing/2010/main">
+        <mc:Choice Requires="a14">
           <p:sp>
             <p:nvSpPr>
               <p:cNvPr id="17" name="TextBox 16"/>
@@ -8455,6 +9743,7 @@
               </a:bodyPr>
               <a:lstStyle/>
               <a:p>
+                <a:pPr/>
                 <a14:m>
                   <m:oMathPara xmlns:m="http://schemas.openxmlformats.org/officeDocument/2006/math">
                     <m:oMathParaPr>
@@ -8525,7 +9814,7 @@
             </p:txBody>
           </p:sp>
         </mc:Choice>
-        <mc:Fallback>
+        <mc:Fallback xmlns="">
           <p:sp>
             <p:nvSpPr>
               <p:cNvPr id="17" name="TextBox 16"/>
@@ -8622,7 +9911,7 @@
 </p:sld>
 </file>
 
-<file path=ppt/slides/slide7.xml><?xml version="1.0" encoding="utf-8"?>
+<file path=ppt/slides/slide8.xml><?xml version="1.0" encoding="utf-8"?>
 <p:sld xmlns:a="http://schemas.openxmlformats.org/drawingml/2006/main" xmlns:r="http://schemas.openxmlformats.org/officeDocument/2006/relationships" xmlns:p="http://schemas.openxmlformats.org/presentationml/2006/main">
   <p:cSld>
     <p:spTree>
@@ -8703,7 +9992,7 @@
           <a:p>
             <a:fld id="{8765F8EB-1186-4395-8E70-F957669279DD}" type="slidenum">
               <a:rPr lang="ko-KR" altLang="en-US" smtClean="0"/>
-              <a:t>7</a:t>
+              <a:t>8</a:t>
             </a:fld>
             <a:endParaRPr lang="ko-KR" altLang="en-US"/>
           </a:p>
@@ -8899,15 +10188,19 @@
               <a:t>조정 </a:t>
             </a:r>
             <a:r>
-              <a:rPr lang="en-US" altLang="ko-KR" dirty="0" smtClean="0"/>
-              <a:t>(1/4)</a:t>
+              <a:rPr lang="en-US" altLang="ko-KR" smtClean="0"/>
+              <a:t>(</a:t>
+            </a:r>
+            <a:r>
+              <a:rPr lang="en-US" altLang="ko-KR" smtClean="0"/>
+              <a:t>1/3)</a:t>
             </a:r>
             <a:endParaRPr lang="ko-KR" altLang="en-US" dirty="0"/>
           </a:p>
         </p:txBody>
       </p:sp>
-      <mc:AlternateContent xmlns:mc="http://schemas.openxmlformats.org/markup-compatibility/2006">
-        <mc:Choice xmlns:a14="http://schemas.microsoft.com/office/drawing/2010/main" Requires="a14">
+      <mc:AlternateContent xmlns:mc="http://schemas.openxmlformats.org/markup-compatibility/2006" xmlns:a14="http://schemas.microsoft.com/office/drawing/2010/main">
+        <mc:Choice Requires="a14">
           <p:sp>
             <p:nvSpPr>
               <p:cNvPr id="17" name="TextBox 16"/>
@@ -8930,6 +10223,7 @@
               </a:bodyPr>
               <a:lstStyle/>
               <a:p>
+                <a:pPr/>
                 <a14:m>
                   <m:oMathPara xmlns:m="http://schemas.openxmlformats.org/officeDocument/2006/math">
                     <m:oMathParaPr>
@@ -9037,7 +10331,7 @@
             </p:txBody>
           </p:sp>
         </mc:Choice>
-        <mc:Fallback>
+        <mc:Fallback xmlns="">
           <p:sp>
             <p:nvSpPr>
               <p:cNvPr id="17" name="TextBox 16"/>
@@ -9158,7 +10452,7 @@
 </p:sld>
 </file>
 
-<file path=ppt/slides/slide8.xml><?xml version="1.0" encoding="utf-8"?>
+<file path=ppt/slides/slide9.xml><?xml version="1.0" encoding="utf-8"?>
 <p:sld xmlns:a="http://schemas.openxmlformats.org/drawingml/2006/main" xmlns:r="http://schemas.openxmlformats.org/officeDocument/2006/relationships" xmlns:p="http://schemas.openxmlformats.org/presentationml/2006/main">
   <p:cSld>
     <p:spTree>
@@ -9215,7 +10509,7 @@
           <a:p>
             <a:fld id="{8765F8EB-1186-4395-8E70-F957669279DD}" type="slidenum">
               <a:rPr lang="ko-KR" altLang="en-US" smtClean="0"/>
-              <a:t>8</a:t>
+              <a:t>9</a:t>
             </a:fld>
             <a:endParaRPr lang="ko-KR" altLang="en-US"/>
           </a:p>
@@ -9261,7 +10555,6 @@
               <a:rPr lang="en-US" altLang="ko-KR" dirty="0" smtClean="0"/>
               <a:t>Output: spectrum point</a:t>
             </a:r>
-            <a:endParaRPr lang="en-US" altLang="ko-KR" dirty="0" smtClean="0"/>
           </a:p>
           <a:p>
             <a:pPr marL="285750" indent="-285750">
@@ -9453,10 +10746,6 @@
               </a:rPr>
               <a:t>)</a:t>
             </a:r>
-            <a:endParaRPr lang="en-US" altLang="ko-KR" sz="1400" b="1" dirty="0" smtClean="0">
-              <a:latin typeface="Arial" panose="020B0604020202020204" pitchFamily="34" charset="0"/>
-              <a:cs typeface="Arial" panose="020B0604020202020204" pitchFamily="34" charset="0"/>
-            </a:endParaRPr>
           </a:p>
         </p:txBody>
       </p:sp>
@@ -9580,272 +10869,6 @@
     <p:extLst>
       <p:ext uri="{BB962C8B-B14F-4D97-AF65-F5344CB8AC3E}">
         <p14:creationId xmlns:p14="http://schemas.microsoft.com/office/powerpoint/2010/main" val="143251474"/>
-      </p:ext>
-    </p:extLst>
-  </p:cSld>
-  <p:clrMapOvr>
-    <a:masterClrMapping/>
-  </p:clrMapOvr>
-  <p:timing>
-    <p:tnLst>
-      <p:par>
-        <p:cTn id="1" dur="indefinite" restart="never" nodeType="tmRoot"/>
-      </p:par>
-    </p:tnLst>
-  </p:timing>
-</p:sld>
-</file>
-
-<file path=ppt/slides/slide9.xml><?xml version="1.0" encoding="utf-8"?>
-<p:sld xmlns:a="http://schemas.openxmlformats.org/drawingml/2006/main" xmlns:r="http://schemas.openxmlformats.org/officeDocument/2006/relationships" xmlns:p="http://schemas.openxmlformats.org/presentationml/2006/main">
-  <p:cSld>
-    <p:spTree>
-      <p:nvGrpSpPr>
-        <p:cNvPr id="1" name=""/>
-        <p:cNvGrpSpPr/>
-        <p:nvPr/>
-      </p:nvGrpSpPr>
-      <p:grpSpPr>
-        <a:xfrm>
-          <a:off x="0" y="0"/>
-          <a:ext cx="0" cy="0"/>
-          <a:chOff x="0" y="0"/>
-          <a:chExt cx="0" cy="0"/>
-        </a:xfrm>
-      </p:grpSpPr>
-      <p:sp>
-        <p:nvSpPr>
-          <p:cNvPr id="2" name="날짜 개체 틀 1"/>
-          <p:cNvSpPr>
-            <a:spLocks noGrp="1"/>
-          </p:cNvSpPr>
-          <p:nvPr>
-            <p:ph type="dt" sz="half" idx="10"/>
-          </p:nvPr>
-        </p:nvSpPr>
-        <p:spPr/>
-        <p:txBody>
-          <a:bodyPr/>
-          <a:lstStyle/>
-          <a:p>
-            <a:fld id="{32C03489-23FC-4021-B9AB-958EFB3C0FE7}" type="datetime1">
-              <a:rPr lang="ko-KR" altLang="en-US" smtClean="0"/>
-              <a:t>2019-03-25</a:t>
-            </a:fld>
-            <a:endParaRPr lang="ko-KR" altLang="en-US"/>
-          </a:p>
-        </p:txBody>
-      </p:sp>
-      <p:sp>
-        <p:nvSpPr>
-          <p:cNvPr id="3" name="슬라이드 번호 개체 틀 2"/>
-          <p:cNvSpPr>
-            <a:spLocks noGrp="1"/>
-          </p:cNvSpPr>
-          <p:nvPr>
-            <p:ph type="sldNum" sz="quarter" idx="12"/>
-          </p:nvPr>
-        </p:nvSpPr>
-        <p:spPr/>
-        <p:txBody>
-          <a:bodyPr/>
-          <a:lstStyle/>
-          <a:p>
-            <a:fld id="{8765F8EB-1186-4395-8E70-F957669279DD}" type="slidenum">
-              <a:rPr lang="ko-KR" altLang="en-US" smtClean="0"/>
-              <a:t>9</a:t>
-            </a:fld>
-            <a:endParaRPr lang="ko-KR" altLang="en-US"/>
-          </a:p>
-        </p:txBody>
-      </p:sp>
-      <p:sp>
-        <p:nvSpPr>
-          <p:cNvPr id="5" name="TextBox 4"/>
-          <p:cNvSpPr txBox="1"/>
-          <p:nvPr/>
-        </p:nvSpPr>
-        <p:spPr>
-          <a:xfrm>
-            <a:off x="0" y="26578"/>
-            <a:ext cx="1278363" cy="400110"/>
-          </a:xfrm>
-          <a:prstGeom prst="rect">
-            <a:avLst/>
-          </a:prstGeom>
-          <a:noFill/>
-        </p:spPr>
-        <p:txBody>
-          <a:bodyPr wrap="none" rtlCol="0">
-            <a:spAutoFit/>
-          </a:bodyPr>
-          <a:lstStyle/>
-          <a:p>
-            <a:r>
-              <a:rPr lang="en-US" altLang="ko-KR" sz="2000" b="1" dirty="0" smtClean="0">
-                <a:solidFill>
-                  <a:srgbClr val="3333FF"/>
-                </a:solidFill>
-              </a:rPr>
-              <a:t>This Week</a:t>
-            </a:r>
-            <a:endParaRPr lang="ko-KR" altLang="en-US" sz="2000" b="1" dirty="0">
-              <a:solidFill>
-                <a:srgbClr val="3333FF"/>
-              </a:solidFill>
-            </a:endParaRPr>
-          </a:p>
-        </p:txBody>
-      </p:sp>
-      <p:sp>
-        <p:nvSpPr>
-          <p:cNvPr id="9" name="TextBox 8"/>
-          <p:cNvSpPr txBox="1"/>
-          <p:nvPr/>
-        </p:nvSpPr>
-        <p:spPr>
-          <a:xfrm>
-            <a:off x="316031" y="834694"/>
-            <a:ext cx="8379082" cy="1338828"/>
-          </a:xfrm>
-          <a:prstGeom prst="rect">
-            <a:avLst/>
-          </a:prstGeom>
-          <a:noFill/>
-        </p:spPr>
-        <p:txBody>
-          <a:bodyPr wrap="square" rtlCol="0">
-            <a:spAutoFit/>
-          </a:bodyPr>
-          <a:lstStyle/>
-          <a:p>
-            <a:pPr marL="285750" indent="-285750">
-              <a:lnSpc>
-                <a:spcPct val="150000"/>
-              </a:lnSpc>
-              <a:buFontTx/>
-              <a:buChar char="-"/>
-            </a:pPr>
-            <a:r>
-              <a:rPr lang="en-US" altLang="ko-KR" dirty="0" smtClean="0"/>
-              <a:t>Hidden layer, neurons per layer </a:t>
-            </a:r>
-            <a:r>
-              <a:rPr lang="ko-KR" altLang="en-US" dirty="0" smtClean="0"/>
-              <a:t>개수 조정</a:t>
-            </a:r>
-            <a:endParaRPr lang="en-US" altLang="ko-KR" dirty="0" smtClean="0"/>
-          </a:p>
-          <a:p>
-            <a:pPr marL="285750" indent="-285750">
-              <a:lnSpc>
-                <a:spcPct val="150000"/>
-              </a:lnSpc>
-              <a:buFontTx/>
-              <a:buChar char="-"/>
-            </a:pPr>
-            <a:r>
-              <a:rPr lang="ko-KR" altLang="en-US" dirty="0" smtClean="0"/>
-              <a:t>학습된 </a:t>
-            </a:r>
-            <a:r>
-              <a:rPr lang="en-US" altLang="ko-KR" dirty="0" smtClean="0"/>
-              <a:t>neural network</a:t>
-            </a:r>
-            <a:r>
-              <a:rPr lang="ko-KR" altLang="en-US" dirty="0"/>
-              <a:t> </a:t>
-            </a:r>
-            <a:r>
-              <a:rPr lang="ko-KR" altLang="en-US" dirty="0" smtClean="0"/>
-              <a:t>저장하고 불러와서 사용하는 기능 구현</a:t>
-            </a:r>
-            <a:endParaRPr lang="en-US" altLang="ko-KR" dirty="0" smtClean="0"/>
-          </a:p>
-          <a:p>
-            <a:pPr marL="285750" indent="-285750">
-              <a:lnSpc>
-                <a:spcPct val="150000"/>
-              </a:lnSpc>
-              <a:buFontTx/>
-              <a:buChar char="-"/>
-            </a:pPr>
-            <a:r>
-              <a:rPr lang="en-US" altLang="ko-KR" dirty="0" smtClean="0"/>
-              <a:t>DQN</a:t>
-            </a:r>
-            <a:r>
-              <a:rPr lang="ko-KR" altLang="en-US" dirty="0" smtClean="0"/>
-              <a:t>에서 향상된 알고리즘 조사</a:t>
-            </a:r>
-            <a:endParaRPr lang="ko-KR" altLang="en-US" dirty="0"/>
-          </a:p>
-        </p:txBody>
-      </p:sp>
-      <p:pic>
-        <p:nvPicPr>
-          <p:cNvPr id="4" name="그림 3"/>
-          <p:cNvPicPr>
-            <a:picLocks noChangeAspect="1"/>
-          </p:cNvPicPr>
-          <p:nvPr/>
-        </p:nvPicPr>
-        <p:blipFill>
-          <a:blip r:embed="rId3">
-            <a:extLst>
-              <a:ext uri="{28A0092B-C50C-407E-A947-70E740481C1C}">
-                <a14:useLocalDpi xmlns:a14="http://schemas.microsoft.com/office/drawing/2010/main" val="0"/>
-              </a:ext>
-            </a:extLst>
-          </a:blip>
-          <a:stretch>
-            <a:fillRect/>
-          </a:stretch>
-        </p:blipFill>
-        <p:spPr>
-          <a:xfrm>
-            <a:off x="5476682" y="2339006"/>
-            <a:ext cx="3218431" cy="3175231"/>
-          </a:xfrm>
-          <a:prstGeom prst="rect">
-            <a:avLst/>
-          </a:prstGeom>
-        </p:spPr>
-      </p:pic>
-      <p:pic>
-        <p:nvPicPr>
-          <p:cNvPr id="6" name="그림 5"/>
-          <p:cNvPicPr>
-            <a:picLocks noChangeAspect="1"/>
-          </p:cNvPicPr>
-          <p:nvPr/>
-        </p:nvPicPr>
-        <p:blipFill>
-          <a:blip r:embed="rId4">
-            <a:extLst>
-              <a:ext uri="{28A0092B-C50C-407E-A947-70E740481C1C}">
-                <a14:useLocalDpi xmlns:a14="http://schemas.microsoft.com/office/drawing/2010/main" val="0"/>
-              </a:ext>
-            </a:extLst>
-          </a:blip>
-          <a:stretch>
-            <a:fillRect/>
-          </a:stretch>
-        </p:blipFill>
-        <p:spPr>
-          <a:xfrm>
-            <a:off x="89924" y="2581527"/>
-            <a:ext cx="5192252" cy="2690188"/>
-          </a:xfrm>
-          <a:prstGeom prst="rect">
-            <a:avLst/>
-          </a:prstGeom>
-        </p:spPr>
-      </p:pic>
-    </p:spTree>
-    <p:extLst>
-      <p:ext uri="{BB962C8B-B14F-4D97-AF65-F5344CB8AC3E}">
-        <p14:creationId xmlns:p14="http://schemas.microsoft.com/office/powerpoint/2010/main" val="4225186576"/>
       </p:ext>
     </p:extLst>
   </p:cSld>
